--- a/files/course_material/natural-language-processing/Lecture9.pptx
+++ b/files/course_material/natural-language-processing/Lecture9.pptx
@@ -263,7 +263,7 @@
           <a:p>
             <a:fld id="{D1D9D5B2-5D7A-4763-8DB5-E223CE43EB7B}" type="datetimeFigureOut">
               <a:rPr lang="zh-TW" altLang="en-US" smtClean="0"/>
-              <a:t>2022/4/29</a:t>
+              <a:t>2022/5/11</a:t>
             </a:fld>
             <a:endParaRPr lang="zh-TW" altLang="en-US"/>
           </a:p>
@@ -428,7 +428,7 @@
           <a:p>
             <a:fld id="{5C6EDD7B-3C59-42F5-83C0-F26EC9B997CE}" type="datetimeFigureOut">
               <a:rPr lang="zh-TW" altLang="en-US" smtClean="0"/>
-              <a:t>2022/4/29</a:t>
+              <a:t>2022/5/11</a:t>
             </a:fld>
             <a:endParaRPr lang="zh-TW" altLang="en-US"/>
           </a:p>
@@ -6444,8 +6444,13 @@
           <a:p>
             <a:r>
               <a:rPr lang="en-US" dirty="0" smtClean="0"/>
-              <a:t>In order to find the right Database</a:t>
-            </a:r>
+              <a:t>In order to find the right </a:t>
+            </a:r>
+            <a:r>
+              <a:rPr lang="en-US" dirty="0" smtClean="0"/>
+              <a:t>database</a:t>
+            </a:r>
+            <a:endParaRPr lang="en-US" dirty="0" smtClean="0"/>
           </a:p>
           <a:p>
             <a:r>
@@ -10801,8 +10806,8 @@
           </a:p>
         </p:txBody>
       </p:sp>
-      <mc:AlternateContent xmlns:mc="http://schemas.openxmlformats.org/markup-compatibility/2006" xmlns:a14="http://schemas.microsoft.com/office/drawing/2010/main">
-        <mc:Choice Requires="a14">
+      <mc:AlternateContent xmlns:mc="http://schemas.openxmlformats.org/markup-compatibility/2006">
+        <mc:Choice xmlns:a14="http://schemas.microsoft.com/office/drawing/2010/main" Requires="a14">
           <p:sp>
             <p:nvSpPr>
               <p:cNvPr id="3" name="內容版面配置區 2"/>
@@ -10834,13 +10839,29 @@
               <a:p>
                 <a:r>
                   <a:rPr lang="en-US" dirty="0" smtClean="0"/>
-                  <a:t>The network architecture is the same as the architecture is the supervised training phase.</a:t>
+                  <a:t>The network architecture is the same as the architecture </a:t>
+                </a:r>
+                <a:r>
+                  <a:rPr lang="en-US" dirty="0" smtClean="0"/>
+                  <a:t>in </a:t>
+                </a:r>
+                <a:r>
+                  <a:rPr lang="en-US" dirty="0" smtClean="0"/>
+                  <a:t>the supervised training phase.</a:t>
                 </a:r>
               </a:p>
               <a:p>
                 <a:r>
                   <a:rPr lang="en-US" dirty="0" smtClean="0"/>
-                  <a:t>This research adopts the Policy-Gradient based RL to optimized the dialog policy.</a:t>
+                  <a:t>This research adopts the </a:t>
+                </a:r>
+                <a:r>
+                  <a:rPr lang="en-US" dirty="0" smtClean="0"/>
+                  <a:t>policy gradient </a:t>
+                </a:r>
+                <a:r>
+                  <a:rPr lang="en-US" dirty="0" smtClean="0"/>
+                  <a:t>based RL to optimized the dialog policy.</a:t>
                 </a:r>
               </a:p>
               <a:p>
@@ -11256,7 +11277,7 @@
             </p:txBody>
           </p:sp>
         </mc:Choice>
-        <mc:Fallback xmlns="">
+        <mc:Fallback>
           <p:sp>
             <p:nvSpPr>
               <p:cNvPr id="3" name="內容版面配置區 2"/>
@@ -14348,12 +14369,30 @@
             <a:endParaRPr lang="en-US" altLang="zh-TW" dirty="0" smtClean="0"/>
           </a:p>
           <a:p>
-            <a:r>
-              <a:rPr lang="en-US" altLang="zh-TW" sz="1200" dirty="0" err="1"/>
+            <a:endParaRPr lang="en-US" altLang="zh-TW" sz="1200" dirty="0" smtClean="0"/>
+          </a:p>
+          <a:p>
+            <a:pPr marL="0" indent="0">
+              <a:buNone/>
+            </a:pPr>
+            <a:endParaRPr lang="en-US" altLang="zh-TW" sz="1200" dirty="0" smtClean="0"/>
+          </a:p>
+          <a:p>
+            <a:pPr marL="0" indent="0">
+              <a:buNone/>
+            </a:pPr>
+            <a:endParaRPr lang="en-US" altLang="zh-TW" sz="1200" dirty="0"/>
+          </a:p>
+          <a:p>
+            <a:pPr marL="0" indent="0">
+              <a:buNone/>
+            </a:pPr>
+            <a:r>
+              <a:rPr lang="en-US" altLang="zh-TW" sz="1200" dirty="0" err="1" smtClean="0"/>
               <a:t>Haque</a:t>
             </a:r>
             <a:r>
-              <a:rPr lang="zh-TW" altLang="en-US" sz="1200" dirty="0"/>
+              <a:rPr lang="zh-TW" altLang="en-US" sz="1200" dirty="0" smtClean="0"/>
               <a:t> </a:t>
             </a:r>
             <a:r>
